--- a/Rise.pptx
+++ b/Rise.pptx
@@ -17676,95 +17676,12 @@
           <a:chExt cx="0" cy="0"/>
         </a:xfrm>
       </p:grpSpPr>
-      <p:cxnSp>
-        <p:nvCxnSpPr>
-          <p:cNvPr id="3" name="Connettore diritto 2">
+      <p:pic>
+        <p:nvPicPr>
+          <p:cNvPr id="1026" name="Picture 2">
             <a:extLst>
               <a:ext uri="{FF2B5EF4-FFF2-40B4-BE49-F238E27FC236}">
-                <a16:creationId xmlns:a16="http://schemas.microsoft.com/office/drawing/2014/main" id="{531B3AB2-FFD8-3B3E-EF4A-4FEF545D8B41}"/>
-              </a:ext>
-            </a:extLst>
-          </p:cNvPr>
-          <p:cNvCxnSpPr>
-            <a:cxnSpLocks/>
-          </p:cNvCxnSpPr>
-          <p:nvPr/>
-        </p:nvCxnSpPr>
-        <p:spPr>
-          <a:xfrm>
-            <a:off x="4916129" y="3244645"/>
-            <a:ext cx="0" cy="373626"/>
-          </a:xfrm>
-          <a:prstGeom prst="line">
-            <a:avLst/>
-          </a:prstGeom>
-          <a:ln>
-            <a:prstDash val="sysDash"/>
-          </a:ln>
-        </p:spPr>
-        <p:style>
-          <a:lnRef idx="2">
-            <a:schemeClr val="accent1"/>
-          </a:lnRef>
-          <a:fillRef idx="0">
-            <a:schemeClr val="accent1"/>
-          </a:fillRef>
-          <a:effectRef idx="1">
-            <a:schemeClr val="accent1"/>
-          </a:effectRef>
-          <a:fontRef idx="minor">
-            <a:schemeClr val="tx1"/>
-          </a:fontRef>
-        </p:style>
-      </p:cxnSp>
-      <p:cxnSp>
-        <p:nvCxnSpPr>
-          <p:cNvPr id="4" name="Connettore 2 3">
-            <a:extLst>
-              <a:ext uri="{FF2B5EF4-FFF2-40B4-BE49-F238E27FC236}">
-                <a16:creationId xmlns:a16="http://schemas.microsoft.com/office/drawing/2014/main" id="{83658DB5-9CD9-76B1-08EC-28BD7829BB91}"/>
-              </a:ext>
-            </a:extLst>
-          </p:cNvPr>
-          <p:cNvCxnSpPr/>
-          <p:nvPr/>
-        </p:nvCxnSpPr>
-        <p:spPr>
-          <a:xfrm>
-            <a:off x="3736258" y="4109884"/>
-            <a:ext cx="747252" cy="0"/>
-          </a:xfrm>
-          <a:prstGeom prst="straightConnector1">
-            <a:avLst/>
-          </a:prstGeom>
-          <a:ln>
-            <a:solidFill>
-              <a:schemeClr val="tx1"/>
-            </a:solidFill>
-            <a:tailEnd type="triangle"/>
-          </a:ln>
-        </p:spPr>
-        <p:style>
-          <a:lnRef idx="2">
-            <a:schemeClr val="accent1"/>
-          </a:lnRef>
-          <a:fillRef idx="0">
-            <a:schemeClr val="accent1"/>
-          </a:fillRef>
-          <a:effectRef idx="1">
-            <a:schemeClr val="accent1"/>
-          </a:effectRef>
-          <a:fontRef idx="minor">
-            <a:schemeClr val="tx1"/>
-          </a:fontRef>
-        </p:style>
-      </p:cxnSp>
-      <p:pic>
-        <p:nvPicPr>
-          <p:cNvPr id="2" name="Picture 2">
-            <a:extLst>
-              <a:ext uri="{FF2B5EF4-FFF2-40B4-BE49-F238E27FC236}">
-                <a16:creationId xmlns:a16="http://schemas.microsoft.com/office/drawing/2014/main" id="{CA1FBF3E-C61F-184B-7F7D-70FA97F4BDD1}"/>
+                <a16:creationId xmlns:a16="http://schemas.microsoft.com/office/drawing/2014/main" id="{3A8D71FF-F68B-819A-D472-C7B0D19614B2}"/>
               </a:ext>
             </a:extLst>
           </p:cNvPr>
@@ -17788,8 +17705,8 @@
         </p:blipFill>
         <p:spPr bwMode="auto">
           <a:xfrm>
-            <a:off x="1138698" y="168787"/>
-            <a:ext cx="9914603" cy="6334330"/>
+            <a:off x="1337481" y="388835"/>
+            <a:ext cx="9517038" cy="6080330"/>
           </a:xfrm>
           <a:prstGeom prst="rect">
             <a:avLst/>
